--- a/Chapter07/stats6_shimizu.pptx
+++ b/Chapter07/stats6_shimizu.pptx
@@ -4025,13 +4025,21 @@
         </p:spPr>
         <p:txBody>
           <a:bodyPr>
-            <a:normAutofit/>
+            <a:normAutofit fontScale="90000"/>
           </a:bodyPr>
           <a:lstStyle/>
           <a:p>
             <a:r>
               <a:rPr lang="ja-JP" altLang="en-US" sz="3600" dirty="0" smtClean="0"/>
-              <a:t>観測されていない個体差がもたらす過分散</a:t>
+              <a:t>観測されていない個体差が</a:t>
+            </a:r>
+            <a:r>
+              <a:rPr lang="ja-JP" altLang="en-US" sz="3600" smtClean="0"/>
+              <a:t>もたらす</a:t>
+            </a:r>
+            <a:r>
+              <a:rPr lang="ja-JP" altLang="en-US" sz="3600" smtClean="0"/>
+              <a:t>過分散の極端な例</a:t>
             </a:r>
             <a:endParaRPr kumimoji="1" lang="ja-JP" altLang="en-US" sz="3600" dirty="0"/>
           </a:p>

--- a/Chapter07/stats6_shimizu.pptx
+++ b/Chapter07/stats6_shimizu.pptx
@@ -4031,14 +4031,10 @@
           <a:p>
             <a:r>
               <a:rPr lang="ja-JP" altLang="en-US" sz="3600" dirty="0" smtClean="0"/>
-              <a:t>観測されていない個体差が</a:t>
-            </a:r>
-            <a:r>
-              <a:rPr lang="ja-JP" altLang="en-US" sz="3600" smtClean="0"/>
-              <a:t>もたらす</a:t>
-            </a:r>
-            <a:r>
-              <a:rPr lang="ja-JP" altLang="en-US" sz="3600" smtClean="0"/>
+              <a:t>観測されていない個体差がもたらす</a:t>
+            </a:r>
+            <a:r>
+              <a:rPr lang="ja-JP" altLang="en-US" sz="3600" dirty="0" smtClean="0"/>
               <a:t>過分散の極端な例</a:t>
             </a:r>
             <a:endParaRPr kumimoji="1" lang="ja-JP" altLang="en-US" sz="3600" dirty="0"/>
@@ -6237,8 +6233,20 @@
           <a:lstStyle/>
           <a:p>
             <a:r>
+              <a:rPr kumimoji="1" lang="ja-JP" altLang="en-US" sz="3600" smtClean="0"/>
+              <a:t>次回：ランダム</a:t>
+            </a:r>
+            <a:r>
               <a:rPr kumimoji="1" lang="ja-JP" altLang="en-US" sz="3600" dirty="0" smtClean="0"/>
-              <a:t>ランダム効果の計算方法</a:t>
+              <a:t>効果の確率分布・最尤</a:t>
+            </a:r>
+            <a:r>
+              <a:rPr kumimoji="1" lang="ja-JP" altLang="en-US" sz="3600" smtClean="0"/>
+              <a:t>推定</a:t>
+            </a:r>
+            <a:r>
+              <a:rPr kumimoji="1" lang="en-US" altLang="ja-JP" sz="3600" dirty="0" smtClean="0"/>
+              <a:t> etc.</a:t>
             </a:r>
             <a:endParaRPr kumimoji="1" lang="ja-JP" altLang="en-US" sz="3600" dirty="0"/>
           </a:p>
